--- a/DatabasesPresentation.pptx
+++ b/DatabasesPresentation.pptx
@@ -3152,7 +3152,11 @@
             </a:r>
             <a:r>
               <a:rPr lang="en-US" dirty="0" smtClean="0"/>
-              <a:t>, </a:t>
+              <a:t> </a:t>
+            </a:r>
+            <a:r>
+              <a:rPr lang="en-US" smtClean="0"/>
+              <a:t>Guneratne, </a:t>
             </a:r>
             <a:r>
               <a:rPr lang="en-US" dirty="0" err="1" smtClean="0"/>
@@ -3160,7 +3164,11 @@
             </a:r>
             <a:r>
               <a:rPr lang="en-US" dirty="0" smtClean="0"/>
-              <a:t>, and Alex Hanson</a:t>
+              <a:t> Liang, </a:t>
+            </a:r>
+            <a:r>
+              <a:rPr lang="en-US" dirty="0" smtClean="0"/>
+              <a:t>and Alex Hanson</a:t>
             </a:r>
             <a:endParaRPr lang="en-US" dirty="0"/>
           </a:p>
